--- a/day1/course_introduction/course_introduction.pptx
+++ b/day1/course_introduction/course_introduction.pptx
@@ -128,7 +128,7 @@
   </p:defaultTextStyle>
   <p:extLst>
     <p:ext uri="{EFAFB233-063F-42B5-8137-9DF3F51BA10A}">
-      <p15:sldGuideLst xmlns="" xmlns:p15="http://schemas.microsoft.com/office/powerpoint/2012/main">
+      <p15:sldGuideLst xmlns:p15="http://schemas.microsoft.com/office/powerpoint/2012/main" xmlns="">
         <p15:guide id="1" orient="horz" pos="2160">
           <p15:clr>
             <a:srgbClr val="A4A3A4"/>
@@ -291,11 +291,11 @@
           <c:showBubbleSize val="0"/>
         </c:dLbls>
         <c:gapWidth val="150"/>
-        <c:axId val="192722432"/>
-        <c:axId val="192763392"/>
+        <c:axId val="213483520"/>
+        <c:axId val="213485056"/>
       </c:barChart>
       <c:catAx>
-        <c:axId val="192722432"/>
+        <c:axId val="213483520"/>
         <c:scaling>
           <c:orientation val="minMax"/>
         </c:scaling>
@@ -305,7 +305,7 @@
         <c:majorTickMark val="out"/>
         <c:minorTickMark val="none"/>
         <c:tickLblPos val="nextTo"/>
-        <c:crossAx val="192763392"/>
+        <c:crossAx val="213485056"/>
         <c:crosses val="autoZero"/>
         <c:auto val="1"/>
         <c:lblAlgn val="ctr"/>
@@ -313,7 +313,7 @@
         <c:noMultiLvlLbl val="0"/>
       </c:catAx>
       <c:valAx>
-        <c:axId val="192763392"/>
+        <c:axId val="213485056"/>
         <c:scaling>
           <c:orientation val="minMax"/>
         </c:scaling>
@@ -324,7 +324,7 @@
         <c:majorTickMark val="out"/>
         <c:minorTickMark val="none"/>
         <c:tickLblPos val="nextTo"/>
-        <c:crossAx val="192722432"/>
+        <c:crossAx val="213483520"/>
         <c:crosses val="autoZero"/>
         <c:crossBetween val="between"/>
       </c:valAx>
@@ -490,11 +490,11 @@
           <c:showBubbleSize val="0"/>
         </c:dLbls>
         <c:gapWidth val="150"/>
-        <c:axId val="205132928"/>
-        <c:axId val="205134464"/>
+        <c:axId val="213510016"/>
+        <c:axId val="213511552"/>
       </c:barChart>
       <c:catAx>
-        <c:axId val="205132928"/>
+        <c:axId val="213510016"/>
         <c:scaling>
           <c:orientation val="minMax"/>
         </c:scaling>
@@ -504,7 +504,7 @@
         <c:majorTickMark val="out"/>
         <c:minorTickMark val="none"/>
         <c:tickLblPos val="nextTo"/>
-        <c:crossAx val="205134464"/>
+        <c:crossAx val="213511552"/>
         <c:crosses val="autoZero"/>
         <c:auto val="1"/>
         <c:lblAlgn val="ctr"/>
@@ -512,7 +512,7 @@
         <c:noMultiLvlLbl val="0"/>
       </c:catAx>
       <c:valAx>
-        <c:axId val="205134464"/>
+        <c:axId val="213511552"/>
         <c:scaling>
           <c:orientation val="minMax"/>
         </c:scaling>
@@ -523,7 +523,7 @@
         <c:majorTickMark val="out"/>
         <c:minorTickMark val="none"/>
         <c:tickLblPos val="nextTo"/>
-        <c:crossAx val="205132928"/>
+        <c:crossAx val="213510016"/>
         <c:crosses val="autoZero"/>
         <c:crossBetween val="between"/>
       </c:valAx>
@@ -7316,7 +7316,7 @@
           <p:cNvPr id="12" name="Right Arrow 8">
             <a:extLst>
               <a:ext uri="{FF2B5EF4-FFF2-40B4-BE49-F238E27FC236}">
-                <a16:creationId xmlns="" xmlns:a16="http://schemas.microsoft.com/office/drawing/2014/main" id="{9B6A5C66-3111-42AA-9715-A250ECC26D8A}"/>
+                <a16:creationId xmlns:a16="http://schemas.microsoft.com/office/drawing/2014/main" xmlns="" id="{9B6A5C66-3111-42AA-9715-A250ECC26D8A}"/>
               </a:ext>
             </a:extLst>
           </p:cNvPr>
@@ -7367,7 +7367,7 @@
           <p:cNvPr id="13" name="Right Arrow 8">
             <a:extLst>
               <a:ext uri="{FF2B5EF4-FFF2-40B4-BE49-F238E27FC236}">
-                <a16:creationId xmlns="" xmlns:a16="http://schemas.microsoft.com/office/drawing/2014/main" id="{257D4A4D-49E1-452C-B8F8-AC8F9EC55A3C}"/>
+                <a16:creationId xmlns:a16="http://schemas.microsoft.com/office/drawing/2014/main" xmlns="" id="{257D4A4D-49E1-452C-B8F8-AC8F9EC55A3C}"/>
               </a:ext>
             </a:extLst>
           </p:cNvPr>
@@ -7418,7 +7418,7 @@
           <p:cNvPr id="14" name="Oval 13">
             <a:extLst>
               <a:ext uri="{FF2B5EF4-FFF2-40B4-BE49-F238E27FC236}">
-                <a16:creationId xmlns="" xmlns:a16="http://schemas.microsoft.com/office/drawing/2014/main" id="{8A83D4FD-AB2E-465C-BCEC-16369A33469C}"/>
+                <a16:creationId xmlns:a16="http://schemas.microsoft.com/office/drawing/2014/main" xmlns="" id="{8A83D4FD-AB2E-465C-BCEC-16369A33469C}"/>
               </a:ext>
             </a:extLst>
           </p:cNvPr>
@@ -7470,7 +7470,7 @@
           <p:cNvPr id="15" name="Oval 14">
             <a:extLst>
               <a:ext uri="{FF2B5EF4-FFF2-40B4-BE49-F238E27FC236}">
-                <a16:creationId xmlns="" xmlns:a16="http://schemas.microsoft.com/office/drawing/2014/main" id="{E28EACCF-2AA1-40E1-8755-6DE9B427B333}"/>
+                <a16:creationId xmlns:a16="http://schemas.microsoft.com/office/drawing/2014/main" xmlns="" id="{E28EACCF-2AA1-40E1-8755-6DE9B427B333}"/>
               </a:ext>
             </a:extLst>
           </p:cNvPr>
@@ -7522,7 +7522,7 @@
           <p:cNvPr id="16" name="Rectangle 15">
             <a:extLst>
               <a:ext uri="{FF2B5EF4-FFF2-40B4-BE49-F238E27FC236}">
-                <a16:creationId xmlns="" xmlns:a16="http://schemas.microsoft.com/office/drawing/2014/main" id="{41716F7C-379D-4F85-991A-8555B3EC1DA6}"/>
+                <a16:creationId xmlns:a16="http://schemas.microsoft.com/office/drawing/2014/main" xmlns="" id="{41716F7C-379D-4F85-991A-8555B3EC1DA6}"/>
               </a:ext>
             </a:extLst>
           </p:cNvPr>
@@ -7713,15 +7713,7 @@
           <a:p>
             <a:r>
               <a:rPr lang="en-US" dirty="0" smtClean="0"/>
-              <a:t>Performance : </a:t>
-            </a:r>
-            <a:r>
-              <a:rPr lang="en-US" dirty="0" smtClean="0"/>
-              <a:t>Node.js </a:t>
-            </a:r>
-            <a:r>
-              <a:rPr lang="en-US" dirty="0" smtClean="0"/>
-              <a:t>vs Java</a:t>
+              <a:t>Performance : Node.js vs Java</a:t>
             </a:r>
             <a:endParaRPr lang="en-US" dirty="0"/>
           </a:p>
@@ -9275,35 +9267,28 @@
           <a:p>
             <a:r>
               <a:rPr lang="en-US" dirty="0" smtClean="0"/>
-              <a:t>Recap on previous solutions </a:t>
-            </a:r>
-            <a:endParaRPr lang="he-IL" dirty="0"/>
+              <a:t>About me</a:t>
+            </a:r>
           </a:p>
           <a:p>
             <a:r>
               <a:rPr lang="en-US" dirty="0" smtClean="0"/>
-              <a:t>Introducing </a:t>
-            </a:r>
-            <a:r>
-              <a:rPr lang="en-US" dirty="0" err="1" smtClean="0"/>
-              <a:t>Async</a:t>
-            </a:r>
+              <a:t>Course Agenda</a:t>
+            </a:r>
+          </a:p>
+          <a:p>
             <a:r>
               <a:rPr lang="en-US" dirty="0" smtClean="0"/>
-              <a:t> functions </a:t>
+              <a:t>What you should have / install</a:t>
             </a:r>
           </a:p>
           <a:p>
             <a:r>
               <a:rPr lang="en-US" dirty="0" smtClean="0"/>
-              <a:t>Quick Example and Observations</a:t>
-            </a:r>
-          </a:p>
-          <a:p>
-            <a:r>
-              <a:rPr lang="en-US" dirty="0" smtClean="0"/>
-              <a:t>Advantages for the new approach</a:t>
-            </a:r>
+              <a:t>Node.js Background + well known libraries </a:t>
+            </a:r>
+          </a:p>
+          <a:p>
             <a:endParaRPr lang="en-US" dirty="0"/>
           </a:p>
         </p:txBody>
@@ -9466,11 +9451,7 @@
             <a:pPr lvl="1"/>
             <a:r>
               <a:rPr lang="en-US" dirty="0" smtClean="0"/>
-              <a:t>leader </a:t>
-            </a:r>
-            <a:r>
-              <a:rPr lang="en-US" dirty="0" smtClean="0"/>
-              <a:t>of </a:t>
+              <a:t>leader of </a:t>
             </a:r>
             <a:r>
               <a:rPr lang="en-US" dirty="0" err="1" smtClean="0"/>
@@ -9478,11 +9459,7 @@
             </a:r>
             <a:r>
               <a:rPr lang="en-US" dirty="0" smtClean="0"/>
-              <a:t> CTO group in </a:t>
-            </a:r>
-            <a:r>
-              <a:rPr lang="en-US" dirty="0" smtClean="0"/>
-              <a:t>Israel, Oecloud.io Architect</a:t>
+              <a:t> CTO group in Israel, Oecloud.io Architect</a:t>
             </a:r>
           </a:p>
           <a:p>
@@ -9498,7 +9475,6 @@
               <a:rPr lang="en-US" dirty="0" smtClean="0"/>
               <a:t>Performance team leader at NCR</a:t>
             </a:r>
-            <a:endParaRPr lang="en-US" dirty="0" smtClean="0"/>
           </a:p>
           <a:p>
             <a:r>
@@ -9952,8 +9928,43 @@
             </a:r>
             <a:r>
               <a:rPr lang="en-US" dirty="0" smtClean="0"/>
-              <a:t> client</a:t>
-            </a:r>
+              <a:t> </a:t>
+            </a:r>
+            <a:r>
+              <a:rPr lang="en-US" dirty="0" smtClean="0"/>
+              <a:t>client</a:t>
+            </a:r>
+          </a:p>
+          <a:p>
+            <a:pPr lvl="1"/>
+            <a:r>
+              <a:rPr lang="en-US" dirty="0" smtClean="0"/>
+              <a:t>Optional :</a:t>
+            </a:r>
+          </a:p>
+          <a:p>
+            <a:pPr lvl="2"/>
+            <a:r>
+              <a:rPr lang="en-US" dirty="0" err="1" smtClean="0"/>
+              <a:t>Jmeter</a:t>
+            </a:r>
+            <a:endParaRPr lang="en-US" dirty="0" smtClean="0"/>
+          </a:p>
+          <a:p>
+            <a:pPr lvl="2"/>
+            <a:r>
+              <a:rPr lang="en-US" dirty="0" err="1" smtClean="0"/>
+              <a:t>Nvm</a:t>
+            </a:r>
+            <a:endParaRPr lang="en-US" dirty="0" smtClean="0"/>
+          </a:p>
+          <a:p>
+            <a:pPr lvl="2"/>
+            <a:r>
+              <a:rPr lang="en-US" dirty="0" smtClean="0"/>
+              <a:t>Don’t worry – we will not use them in the first day (-:</a:t>
+            </a:r>
+            <a:endParaRPr lang="en-US" dirty="0" smtClean="0"/>
           </a:p>
         </p:txBody>
       </p:sp>
@@ -10144,11 +10155,7 @@
           <a:p>
             <a:r>
               <a:rPr lang="en-US" dirty="0" smtClean="0"/>
-              <a:t>What is </a:t>
-            </a:r>
-            <a:r>
-              <a:rPr lang="en-US" dirty="0" smtClean="0"/>
-              <a:t>Node.js </a:t>
+              <a:t>What is Node.js </a:t>
             </a:r>
             <a:endParaRPr lang="en-US" dirty="0"/>
           </a:p>
@@ -10860,7 +10867,7 @@
   <a:extraClrSchemeLst/>
   <a:extLst>
     <a:ext uri="{05A4C25C-085E-4340-85A3-A5531E510DB2}">
-      <thm15:themeFamily xmlns="" xmlns:thm15="http://schemas.microsoft.com/office/thememl/2012/main" name="Facet" id="{C0C680CD-088A-49FC-A102-D699147F32B2}" vid="{CFBC31BA-B70F-4F30-BCAA-4F3011E16C4D}"/>
+      <thm15:themeFamily xmlns:thm15="http://schemas.microsoft.com/office/thememl/2012/main" xmlns="" name="Facet" id="{C0C680CD-088A-49FC-A102-D699147F32B2}" vid="{CFBC31BA-B70F-4F30-BCAA-4F3011E16C4D}"/>
     </a:ext>
   </a:extLst>
 </a:theme>
